--- a/CL_Qlik.pptx
+++ b/CL_Qlik.pptx
@@ -153,6 +153,10 @@
 </p:presentation>
 </file>
 
+<file path=ppt/revisionInfo.xml><?xml version="1.0" encoding="utf-8"?>
+<p1510:revInfo xmlns:a="http://schemas.openxmlformats.org/drawingml/2006/main" xmlns:r="http://schemas.openxmlformats.org/officeDocument/2006/relationships" xmlns:p1510="http://schemas.microsoft.com/office/powerpoint/2015/10/main"/>
+</file>
+
 <file path=ppt/slideLayouts/slideLayout1.xml><?xml version="1.0" encoding="utf-8"?>
 <p:sldLayout xmlns:a="http://schemas.openxmlformats.org/drawingml/2006/main" xmlns:r="http://schemas.openxmlformats.org/officeDocument/2006/relationships" xmlns:p="http://schemas.openxmlformats.org/presentationml/2006/main" type="title" preserve="1">
   <p:cSld name="Title Slide">
@@ -282,7 +286,7 @@
           <a:p>
             <a:fld id="{BB149D69-D273-4B83-853E-82B37C8B5967}" type="datetimeFigureOut">
               <a:rPr lang="en-US" smtClean="0"/>
-              <a:t>8/23/2017</a:t>
+              <a:t>9/28/2017</a:t>
             </a:fld>
             <a:endParaRPr lang="en-US"/>
           </a:p>
@@ -450,7 +454,7 @@
           <a:p>
             <a:fld id="{BB149D69-D273-4B83-853E-82B37C8B5967}" type="datetimeFigureOut">
               <a:rPr lang="en-US" smtClean="0"/>
-              <a:t>8/23/2017</a:t>
+              <a:t>9/28/2017</a:t>
             </a:fld>
             <a:endParaRPr lang="en-US"/>
           </a:p>
@@ -628,7 +632,7 @@
           <a:p>
             <a:fld id="{BB149D69-D273-4B83-853E-82B37C8B5967}" type="datetimeFigureOut">
               <a:rPr lang="en-US" smtClean="0"/>
-              <a:t>8/23/2017</a:t>
+              <a:t>9/28/2017</a:t>
             </a:fld>
             <a:endParaRPr lang="en-US"/>
           </a:p>
@@ -796,7 +800,7 @@
           <a:p>
             <a:fld id="{BB149D69-D273-4B83-853E-82B37C8B5967}" type="datetimeFigureOut">
               <a:rPr lang="en-US" smtClean="0"/>
-              <a:t>8/23/2017</a:t>
+              <a:t>9/28/2017</a:t>
             </a:fld>
             <a:endParaRPr lang="en-US"/>
           </a:p>
@@ -1041,7 +1045,7 @@
           <a:p>
             <a:fld id="{BB149D69-D273-4B83-853E-82B37C8B5967}" type="datetimeFigureOut">
               <a:rPr lang="en-US" smtClean="0"/>
-              <a:t>8/23/2017</a:t>
+              <a:t>9/28/2017</a:t>
             </a:fld>
             <a:endParaRPr lang="en-US"/>
           </a:p>
@@ -1270,7 +1274,7 @@
           <a:p>
             <a:fld id="{BB149D69-D273-4B83-853E-82B37C8B5967}" type="datetimeFigureOut">
               <a:rPr lang="en-US" smtClean="0"/>
-              <a:t>8/23/2017</a:t>
+              <a:t>9/28/2017</a:t>
             </a:fld>
             <a:endParaRPr lang="en-US"/>
           </a:p>
@@ -1634,7 +1638,7 @@
           <a:p>
             <a:fld id="{BB149D69-D273-4B83-853E-82B37C8B5967}" type="datetimeFigureOut">
               <a:rPr lang="en-US" smtClean="0"/>
-              <a:t>8/23/2017</a:t>
+              <a:t>9/28/2017</a:t>
             </a:fld>
             <a:endParaRPr lang="en-US"/>
           </a:p>
@@ -1751,7 +1755,7 @@
           <a:p>
             <a:fld id="{BB149D69-D273-4B83-853E-82B37C8B5967}" type="datetimeFigureOut">
               <a:rPr lang="en-US" smtClean="0"/>
-              <a:t>8/23/2017</a:t>
+              <a:t>9/28/2017</a:t>
             </a:fld>
             <a:endParaRPr lang="en-US"/>
           </a:p>
@@ -1846,7 +1850,7 @@
           <a:p>
             <a:fld id="{BB149D69-D273-4B83-853E-82B37C8B5967}" type="datetimeFigureOut">
               <a:rPr lang="en-US" smtClean="0"/>
-              <a:t>8/23/2017</a:t>
+              <a:t>9/28/2017</a:t>
             </a:fld>
             <a:endParaRPr lang="en-US"/>
           </a:p>
@@ -2121,7 +2125,7 @@
           <a:p>
             <a:fld id="{BB149D69-D273-4B83-853E-82B37C8B5967}" type="datetimeFigureOut">
               <a:rPr lang="en-US" smtClean="0"/>
-              <a:t>8/23/2017</a:t>
+              <a:t>9/28/2017</a:t>
             </a:fld>
             <a:endParaRPr lang="en-US"/>
           </a:p>
@@ -2373,7 +2377,7 @@
           <a:p>
             <a:fld id="{BB149D69-D273-4B83-853E-82B37C8B5967}" type="datetimeFigureOut">
               <a:rPr lang="en-US" smtClean="0"/>
-              <a:t>8/23/2017</a:t>
+              <a:t>9/28/2017</a:t>
             </a:fld>
             <a:endParaRPr lang="en-US"/>
           </a:p>
@@ -2584,7 +2588,7 @@
           <a:p>
             <a:fld id="{BB149D69-D273-4B83-853E-82B37C8B5967}" type="datetimeFigureOut">
               <a:rPr lang="en-US" smtClean="0"/>
-              <a:t>8/23/2017</a:t>
+              <a:t>9/28/2017</a:t>
             </a:fld>
             <a:endParaRPr lang="en-US"/>
           </a:p>
@@ -2989,30 +2993,81 @@
           <a:chExt cx="0" cy="0"/>
         </a:xfrm>
       </p:grpSpPr>
-      <p:pic>
-        <p:nvPicPr>
-          <p:cNvPr id="2" name="Picture 1"/>
-          <p:cNvPicPr>
-            <a:picLocks noChangeAspect="1"/>
-          </p:cNvPicPr>
+      <p:grpSp>
+        <p:nvGrpSpPr>
+          <p:cNvPr id="4" name="Group 3">
+            <a:extLst>
+              <a:ext uri="{FF2B5EF4-FFF2-40B4-BE49-F238E27FC236}">
+                <a16:creationId xmlns:a16="http://schemas.microsoft.com/office/drawing/2014/main" id="{46211CCA-35C9-45B4-A471-D22F22B2C23B}"/>
+              </a:ext>
+            </a:extLst>
+          </p:cNvPr>
+          <p:cNvGrpSpPr/>
           <p:nvPr/>
-        </p:nvPicPr>
-        <p:blipFill>
-          <a:blip r:embed="rId2"/>
-          <a:stretch>
-            <a:fillRect/>
-          </a:stretch>
-        </p:blipFill>
-        <p:spPr>
+        </p:nvGrpSpPr>
+        <p:grpSpPr>
           <a:xfrm>
             <a:off x="1319212" y="1062037"/>
             <a:ext cx="9553575" cy="4733925"/>
-          </a:xfrm>
-          <a:prstGeom prst="rect">
-            <a:avLst/>
-          </a:prstGeom>
-        </p:spPr>
-      </p:pic>
+            <a:chOff x="1319212" y="1062037"/>
+            <a:chExt cx="9553575" cy="4733925"/>
+          </a:xfrm>
+        </p:grpSpPr>
+        <p:pic>
+          <p:nvPicPr>
+            <p:cNvPr id="2" name="Picture 1"/>
+            <p:cNvPicPr>
+              <a:picLocks noChangeAspect="1"/>
+            </p:cNvPicPr>
+            <p:nvPr/>
+          </p:nvPicPr>
+          <p:blipFill>
+            <a:blip r:embed="rId2"/>
+            <a:stretch>
+              <a:fillRect/>
+            </a:stretch>
+          </p:blipFill>
+          <p:spPr>
+            <a:xfrm>
+              <a:off x="1319212" y="1062037"/>
+              <a:ext cx="9553575" cy="4733925"/>
+            </a:xfrm>
+            <a:prstGeom prst="rect">
+              <a:avLst/>
+            </a:prstGeom>
+          </p:spPr>
+        </p:pic>
+        <p:pic>
+          <p:nvPicPr>
+            <p:cNvPr id="3" name="Picture 2">
+              <a:extLst>
+                <a:ext uri="{FF2B5EF4-FFF2-40B4-BE49-F238E27FC236}">
+                  <a16:creationId xmlns:a16="http://schemas.microsoft.com/office/drawing/2014/main" id="{12E40894-2F3B-4F84-BF45-DF2B4C79D349}"/>
+                </a:ext>
+              </a:extLst>
+            </p:cNvPr>
+            <p:cNvPicPr>
+              <a:picLocks noChangeAspect="1"/>
+            </p:cNvPicPr>
+            <p:nvPr/>
+          </p:nvPicPr>
+          <p:blipFill>
+            <a:blip r:embed="rId3"/>
+            <a:stretch>
+              <a:fillRect/>
+            </a:stretch>
+          </p:blipFill>
+          <p:spPr>
+            <a:xfrm>
+              <a:off x="9281821" y="4183710"/>
+              <a:ext cx="1428750" cy="1476375"/>
+            </a:xfrm>
+            <a:prstGeom prst="rect">
+              <a:avLst/>
+            </a:prstGeom>
+          </p:spPr>
+        </p:pic>
+      </p:grpSp>
     </p:spTree>
     <p:extLst>
       <p:ext uri="{BB962C8B-B14F-4D97-AF65-F5344CB8AC3E}">
